--- a/2조 프로젝트 과제(25.12.02-ver4).pptx
+++ b/2조 프로젝트 과제(25.12.02-ver4).pptx
@@ -11892,7 +11892,7 @@
             </a:pPr>
             <a:r>
               <a:rPr lang="ko-KR" altLang="en-US" b="1"/>
-              <a:t>□ 팀장 </a:t>
+              <a:t>□ 백종우 팀장 </a:t>
             </a:r>
             <a:r>
               <a:rPr lang="en-US" altLang="ko-KR" b="1"/>
@@ -12069,11 +12069,7 @@
             </a:r>
             <a:r>
               <a:rPr lang="ko-KR" altLang="en-US"/>
-              <a:t> </a:t>
-            </a:r>
-            <a:r>
-              <a:rPr lang="ko-KR" altLang="en-US"/>
-              <a:t>발표 </a:t>
+              <a:t> 발표 </a:t>
             </a:r>
             <a:r>
               <a:rPr lang="en-US" altLang="ko-KR"/>
